--- a/docs/songs/great are you lord.pptx
+++ b/docs/songs/great are you lord.pptx
@@ -308,7 +308,7 @@
             <a:fld id="{26EA1CF3-4A15-4CBF-9A5A-6A56C368BE71}" type="datetimeFigureOut">
               <a:rPr lang="en-GB" smtClean="0"/>
               <a:pPr/>
-              <a:t>03/10/2022</a:t>
+              <a:t>26/08/2024</a:t>
             </a:fld>
             <a:endParaRPr lang="en-GB"/>
           </a:p>
@@ -475,7 +475,7 @@
             <a:fld id="{26EA1CF3-4A15-4CBF-9A5A-6A56C368BE71}" type="datetimeFigureOut">
               <a:rPr lang="en-GB" smtClean="0"/>
               <a:pPr/>
-              <a:t>03/10/2022</a:t>
+              <a:t>26/08/2024</a:t>
             </a:fld>
             <a:endParaRPr lang="en-GB"/>
           </a:p>
@@ -652,7 +652,7 @@
             <a:fld id="{26EA1CF3-4A15-4CBF-9A5A-6A56C368BE71}" type="datetimeFigureOut">
               <a:rPr lang="en-GB" smtClean="0"/>
               <a:pPr/>
-              <a:t>03/10/2022</a:t>
+              <a:t>26/08/2024</a:t>
             </a:fld>
             <a:endParaRPr lang="en-GB"/>
           </a:p>
@@ -819,7 +819,7 @@
             <a:fld id="{26EA1CF3-4A15-4CBF-9A5A-6A56C368BE71}" type="datetimeFigureOut">
               <a:rPr lang="en-GB" smtClean="0"/>
               <a:pPr/>
-              <a:t>03/10/2022</a:t>
+              <a:t>26/08/2024</a:t>
             </a:fld>
             <a:endParaRPr lang="en-GB"/>
           </a:p>
@@ -1062,7 +1062,7 @@
             <a:fld id="{26EA1CF3-4A15-4CBF-9A5A-6A56C368BE71}" type="datetimeFigureOut">
               <a:rPr lang="en-GB" smtClean="0"/>
               <a:pPr/>
-              <a:t>03/10/2022</a:t>
+              <a:t>26/08/2024</a:t>
             </a:fld>
             <a:endParaRPr lang="en-GB"/>
           </a:p>
@@ -1347,7 +1347,7 @@
             <a:fld id="{26EA1CF3-4A15-4CBF-9A5A-6A56C368BE71}" type="datetimeFigureOut">
               <a:rPr lang="en-GB" smtClean="0"/>
               <a:pPr/>
-              <a:t>03/10/2022</a:t>
+              <a:t>26/08/2024</a:t>
             </a:fld>
             <a:endParaRPr lang="en-GB"/>
           </a:p>
@@ -1766,7 +1766,7 @@
             <a:fld id="{26EA1CF3-4A15-4CBF-9A5A-6A56C368BE71}" type="datetimeFigureOut">
               <a:rPr lang="en-GB" smtClean="0"/>
               <a:pPr/>
-              <a:t>03/10/2022</a:t>
+              <a:t>26/08/2024</a:t>
             </a:fld>
             <a:endParaRPr lang="en-GB"/>
           </a:p>
@@ -1881,7 +1881,7 @@
             <a:fld id="{26EA1CF3-4A15-4CBF-9A5A-6A56C368BE71}" type="datetimeFigureOut">
               <a:rPr lang="en-GB" smtClean="0"/>
               <a:pPr/>
-              <a:t>03/10/2022</a:t>
+              <a:t>26/08/2024</a:t>
             </a:fld>
             <a:endParaRPr lang="en-GB"/>
           </a:p>
@@ -1973,7 +1973,7 @@
             <a:fld id="{26EA1CF3-4A15-4CBF-9A5A-6A56C368BE71}" type="datetimeFigureOut">
               <a:rPr lang="en-GB" smtClean="0"/>
               <a:pPr/>
-              <a:t>03/10/2022</a:t>
+              <a:t>26/08/2024</a:t>
             </a:fld>
             <a:endParaRPr lang="en-GB"/>
           </a:p>
@@ -2247,7 +2247,7 @@
             <a:fld id="{26EA1CF3-4A15-4CBF-9A5A-6A56C368BE71}" type="datetimeFigureOut">
               <a:rPr lang="en-GB" smtClean="0"/>
               <a:pPr/>
-              <a:t>03/10/2022</a:t>
+              <a:t>26/08/2024</a:t>
             </a:fld>
             <a:endParaRPr lang="en-GB"/>
           </a:p>
@@ -2497,7 +2497,7 @@
             <a:fld id="{26EA1CF3-4A15-4CBF-9A5A-6A56C368BE71}" type="datetimeFigureOut">
               <a:rPr lang="en-GB" smtClean="0"/>
               <a:pPr/>
-              <a:t>03/10/2022</a:t>
+              <a:t>26/08/2024</a:t>
             </a:fld>
             <a:endParaRPr lang="en-GB"/>
           </a:p>
@@ -2710,7 +2710,7 @@
             <a:fld id="{26EA1CF3-4A15-4CBF-9A5A-6A56C368BE71}" type="datetimeFigureOut">
               <a:rPr lang="en-GB" smtClean="0"/>
               <a:pPr/>
-              <a:t>03/10/2022</a:t>
+              <a:t>26/08/2024</a:t>
             </a:fld>
             <a:endParaRPr lang="en-GB"/>
           </a:p>
@@ -3337,7 +3337,7 @@
         </p:nvSpPr>
         <p:spPr>
           <a:xfrm>
-            <a:off x="323528" y="188640"/>
+            <a:off x="234964" y="764704"/>
             <a:ext cx="8640960" cy="6480720"/>
           </a:xfrm>
         </p:spPr>
@@ -3348,7 +3348,7 @@
           <a:lstStyle/>
           <a:p>
             <a:r>
-              <a:rPr lang="en-GB" sz="4400" dirty="0">
+              <a:rPr lang="en-GB" sz="3600" dirty="0">
                 <a:solidFill>
                   <a:schemeClr val="bg1"/>
                 </a:solidFill>
@@ -3358,7 +3358,7 @@
           </a:p>
           <a:p>
             <a:r>
-              <a:rPr lang="en-GB" sz="4400" dirty="0">
+              <a:rPr lang="en-GB" sz="3600" dirty="0">
                 <a:solidFill>
                   <a:schemeClr val="bg1"/>
                 </a:solidFill>
@@ -3368,7 +3368,7 @@
           </a:p>
           <a:p>
             <a:r>
-              <a:rPr lang="en-GB" sz="4400" dirty="0">
+              <a:rPr lang="en-GB" sz="3600" dirty="0">
                 <a:solidFill>
                   <a:schemeClr val="bg1"/>
                 </a:solidFill>
@@ -3376,7 +3376,7 @@
               <a:t>You give hope You restore </a:t>
             </a:r>
             <a:r>
-              <a:rPr lang="en-GB" sz="4400" dirty="0" err="1">
+              <a:rPr lang="en-GB" sz="3600" dirty="0" err="1">
                 <a:solidFill>
                   <a:schemeClr val="bg1"/>
                 </a:solidFill>
@@ -3384,7 +3384,7 @@
               <a:t>ev'ry</a:t>
             </a:r>
             <a:r>
-              <a:rPr lang="en-GB" sz="4400" dirty="0">
+              <a:rPr lang="en-GB" sz="3600" dirty="0">
                 <a:solidFill>
                   <a:schemeClr val="bg1"/>
                 </a:solidFill>
@@ -3394,7 +3394,7 @@
           </a:p>
           <a:p>
             <a:r>
-              <a:rPr lang="en-GB" sz="4400" dirty="0">
+              <a:rPr lang="en-GB" sz="3600" dirty="0">
                 <a:solidFill>
                   <a:schemeClr val="bg1"/>
                 </a:solidFill>
@@ -3479,7 +3479,7 @@
         </p:nvSpPr>
         <p:spPr>
           <a:xfrm>
-            <a:off x="323528" y="188640"/>
+            <a:off x="251520" y="692696"/>
             <a:ext cx="8640960" cy="6480720"/>
           </a:xfrm>
         </p:spPr>
@@ -3490,7 +3490,7 @@
           <a:lstStyle/>
           <a:p>
             <a:r>
-              <a:rPr lang="en-GB" sz="4400" dirty="0">
+              <a:rPr lang="en-GB" sz="3600" dirty="0">
                 <a:solidFill>
                   <a:schemeClr val="bg1"/>
                 </a:solidFill>
@@ -3500,7 +3500,7 @@
           </a:p>
           <a:p>
             <a:r>
-              <a:rPr lang="en-GB" sz="4400" dirty="0">
+              <a:rPr lang="en-GB" sz="3600" dirty="0">
                 <a:solidFill>
                   <a:schemeClr val="bg1"/>
                 </a:solidFill>
@@ -3510,7 +3510,7 @@
           </a:p>
           <a:p>
             <a:r>
-              <a:rPr lang="en-GB" sz="4400" dirty="0">
+              <a:rPr lang="en-GB" sz="3600" dirty="0">
                 <a:solidFill>
                   <a:schemeClr val="bg1"/>
                 </a:solidFill>
@@ -3520,7 +3520,7 @@
           </a:p>
           <a:p>
             <a:r>
-              <a:rPr lang="en-GB" sz="4400" dirty="0">
+              <a:rPr lang="en-GB" sz="3600" dirty="0">
                 <a:solidFill>
                   <a:schemeClr val="bg1"/>
                 </a:solidFill>
@@ -3530,7 +3530,7 @@
           </a:p>
           <a:p>
             <a:r>
-              <a:rPr lang="en-GB" sz="4400" dirty="0">
+              <a:rPr lang="en-GB" sz="3600" dirty="0">
                 <a:solidFill>
                   <a:schemeClr val="bg1"/>
                 </a:solidFill>
@@ -3615,7 +3615,7 @@
         </p:nvSpPr>
         <p:spPr>
           <a:xfrm>
-            <a:off x="323528" y="188640"/>
+            <a:off x="251520" y="764704"/>
             <a:ext cx="8640960" cy="6480720"/>
           </a:xfrm>
         </p:spPr>
@@ -3626,7 +3626,7 @@
           <a:lstStyle/>
           <a:p>
             <a:r>
-              <a:rPr lang="en-GB" sz="4400" dirty="0">
+              <a:rPr lang="en-GB" sz="3600" dirty="0">
                 <a:solidFill>
                   <a:schemeClr val="bg1"/>
                 </a:solidFill>
@@ -3636,7 +3636,7 @@
           </a:p>
           <a:p>
             <a:r>
-              <a:rPr lang="en-GB" sz="4400" dirty="0">
+              <a:rPr lang="en-GB" sz="3600" dirty="0">
                 <a:solidFill>
                   <a:schemeClr val="bg1"/>
                 </a:solidFill>
@@ -3646,7 +3646,7 @@
           </a:p>
           <a:p>
             <a:r>
-              <a:rPr lang="en-GB" sz="4400" dirty="0">
+              <a:rPr lang="en-GB" sz="3600" dirty="0">
                 <a:solidFill>
                   <a:schemeClr val="bg1"/>
                 </a:solidFill>
@@ -3656,7 +3656,7 @@
           </a:p>
           <a:p>
             <a:r>
-              <a:rPr lang="en-GB" sz="4400" dirty="0">
+              <a:rPr lang="en-GB" sz="3600" dirty="0">
                 <a:solidFill>
                   <a:schemeClr val="bg1"/>
                 </a:solidFill>
